--- a/peer review 1/peerreview1.pptx
+++ b/peer review 1/peerreview1.pptx
@@ -5,8 +5,9 @@
     <p:sldMasterId id="2147483648" r:id="rId1"/>
   </p:sldMasterIdLst>
   <p:sldIdLst>
-    <p:sldId id="256" r:id="rId2"/>
-    <p:sldId id="257" r:id="rId3"/>
+    <p:sldId id="258" r:id="rId2"/>
+    <p:sldId id="256" r:id="rId3"/>
+    <p:sldId id="257" r:id="rId4"/>
   </p:sldIdLst>
   <p:sldSz cx="9144000" cy="6858000" type="screen4x3"/>
   <p:notesSz cx="6858000" cy="9144000"/>
@@ -3103,6 +3104,135 @@
             <a:spLocks noGrp="1"/>
           </p:cNvSpPr>
           <p:nvPr>
+            <p:ph type="title"/>
+          </p:nvPr>
+        </p:nvSpPr>
+        <p:spPr/>
+        <p:txBody>
+          <a:bodyPr>
+            <a:normAutofit fontScale="90000"/>
+          </a:bodyPr>
+          <a:lstStyle/>
+          <a:p>
+            <a:r>
+              <a:rPr lang="sv-SE" dirty="0"/>
+              <a:t> </a:t>
+            </a:r>
+            <a:r>
+              <a:rPr lang="sv-SE" dirty="0" smtClean="0"/>
+              <a:t/>
+            </a:r>
+            <a:br>
+              <a:rPr lang="sv-SE" dirty="0" smtClean="0"/>
+            </a:br>
+            <a:endParaRPr lang="sv-SE" dirty="0"/>
+          </a:p>
+        </p:txBody>
+      </p:sp>
+      <p:sp>
+        <p:nvSpPr>
+          <p:cNvPr id="5" name="Platshållare för innehåll 4"/>
+          <p:cNvSpPr>
+            <a:spLocks noGrp="1"/>
+          </p:cNvSpPr>
+          <p:nvPr>
+            <p:ph idx="1"/>
+          </p:nvPr>
+        </p:nvSpPr>
+        <p:spPr/>
+        <p:txBody>
+          <a:bodyPr/>
+          <a:lstStyle/>
+          <a:p>
+            <a:endParaRPr lang="sv-SE"/>
+          </a:p>
+        </p:txBody>
+      </p:sp>
+      <p:pic>
+        <p:nvPicPr>
+          <p:cNvPr id="1026" name="Picture 2" descr="C:\Users\christoffer.thor\Desktop\Flow.png"/>
+          <p:cNvPicPr>
+            <a:picLocks noChangeAspect="1" noChangeArrowheads="1"/>
+          </p:cNvPicPr>
+          <p:nvPr/>
+        </p:nvPicPr>
+        <p:blipFill>
+          <a:blip r:embed="rId2">
+            <a:extLst>
+              <a:ext uri="{28A0092B-C50C-407E-A947-70E740481C1C}">
+                <a14:useLocalDpi xmlns:a14="http://schemas.microsoft.com/office/drawing/2010/main" val="0"/>
+              </a:ext>
+            </a:extLst>
+          </a:blip>
+          <a:srcRect/>
+          <a:stretch>
+            <a:fillRect/>
+          </a:stretch>
+        </p:blipFill>
+        <p:spPr bwMode="auto">
+          <a:xfrm>
+            <a:off x="467544" y="1285425"/>
+            <a:ext cx="8568952" cy="5266345"/>
+          </a:xfrm>
+          <a:prstGeom prst="rect">
+            <a:avLst/>
+          </a:prstGeom>
+          <a:noFill/>
+          <a:extLst>
+            <a:ext uri="{909E8E84-426E-40DD-AFC4-6F175D3DCCD1}">
+              <a14:hiddenFill xmlns:a14="http://schemas.microsoft.com/office/drawing/2010/main">
+                <a:solidFill>
+                  <a:srgbClr val="FFFFFF"/>
+                </a:solidFill>
+              </a14:hiddenFill>
+            </a:ext>
+          </a:extLst>
+        </p:spPr>
+      </p:pic>
+    </p:spTree>
+    <p:extLst>
+      <p:ext uri="{BB962C8B-B14F-4D97-AF65-F5344CB8AC3E}">
+        <p14:creationId xmlns:p14="http://schemas.microsoft.com/office/powerpoint/2010/main" val="920944888"/>
+      </p:ext>
+    </p:extLst>
+  </p:cSld>
+  <p:clrMapOvr>
+    <a:masterClrMapping/>
+  </p:clrMapOvr>
+  <p:timing>
+    <p:tnLst>
+      <p:par>
+        <p:cTn id="1" dur="indefinite" restart="never" nodeType="tmRoot"/>
+      </p:par>
+    </p:tnLst>
+  </p:timing>
+</p:sld>
+</file>
+
+<file path=ppt/slides/slide2.xml><?xml version="1.0" encoding="utf-8"?>
+<p:sld xmlns:a="http://schemas.openxmlformats.org/drawingml/2006/main" xmlns:r="http://schemas.openxmlformats.org/officeDocument/2006/relationships" xmlns:p="http://schemas.openxmlformats.org/presentationml/2006/main">
+  <p:cSld>
+    <p:spTree>
+      <p:nvGrpSpPr>
+        <p:cNvPr id="1" name=""/>
+        <p:cNvGrpSpPr/>
+        <p:nvPr/>
+      </p:nvGrpSpPr>
+      <p:grpSpPr>
+        <a:xfrm>
+          <a:off x="0" y="0"/>
+          <a:ext cx="0" cy="0"/>
+          <a:chOff x="0" y="0"/>
+          <a:chExt cx="0" cy="0"/>
+        </a:xfrm>
+      </p:grpSpPr>
+      <p:sp>
+        <p:nvSpPr>
+          <p:cNvPr id="2" name="Rubrik 1"/>
+          <p:cNvSpPr>
+            <a:spLocks noGrp="1"/>
+          </p:cNvSpPr>
+          <p:nvPr>
             <p:ph type="ctrTitle"/>
           </p:nvPr>
         </p:nvSpPr>
@@ -3111,7 +3241,7 @@
           <a:bodyPr/>
           <a:lstStyle/>
           <a:p>
-            <a:endParaRPr lang="sv-SE"/>
+            <a:endParaRPr lang="sv-SE" dirty="0"/>
           </a:p>
         </p:txBody>
       </p:sp>
@@ -3277,7 +3407,7 @@
 </p:sld>
 </file>
 
-<file path=ppt/slides/slide2.xml><?xml version="1.0" encoding="utf-8"?>
+<file path=ppt/slides/slide3.xml><?xml version="1.0" encoding="utf-8"?>
 <p:sld xmlns:a="http://schemas.openxmlformats.org/drawingml/2006/main" xmlns:r="http://schemas.openxmlformats.org/officeDocument/2006/relationships" xmlns:p="http://schemas.openxmlformats.org/presentationml/2006/main">
   <p:cSld>
     <p:spTree>
@@ -3309,7 +3439,7 @@
           <a:bodyPr/>
           <a:lstStyle/>
           <a:p>
-            <a:endParaRPr lang="sv-SE"/>
+            <a:endParaRPr lang="sv-SE" dirty="0"/>
           </a:p>
         </p:txBody>
       </p:sp>

--- a/peer review 1/peerreview1.pptx
+++ b/peer review 1/peerreview1.pptx
@@ -8,6 +8,8 @@
     <p:sldId id="258" r:id="rId2"/>
     <p:sldId id="256" r:id="rId3"/>
     <p:sldId id="257" r:id="rId4"/>
+    <p:sldId id="259" r:id="rId5"/>
+    <p:sldId id="260" r:id="rId6"/>
   </p:sldIdLst>
   <p:sldSz cx="9144000" cy="6858000" type="screen4x3"/>
   <p:notesSz cx="6858000" cy="9144000"/>
@@ -3171,7 +3173,7 @@
         </p:blipFill>
         <p:spPr bwMode="auto">
           <a:xfrm>
-            <a:off x="467544" y="1285425"/>
+            <a:off x="467544" y="1412776"/>
             <a:ext cx="8568952" cy="5266345"/>
           </a:xfrm>
           <a:prstGeom prst="rect">
@@ -3531,6 +3533,207 @@
     <p:extLst>
       <p:ext uri="{BB962C8B-B14F-4D97-AF65-F5344CB8AC3E}">
         <p14:creationId xmlns:p14="http://schemas.microsoft.com/office/powerpoint/2010/main" val="2206117898"/>
+      </p:ext>
+    </p:extLst>
+  </p:cSld>
+  <p:clrMapOvr>
+    <a:masterClrMapping/>
+  </p:clrMapOvr>
+  <p:timing>
+    <p:tnLst>
+      <p:par>
+        <p:cTn id="1" dur="indefinite" restart="never" nodeType="tmRoot"/>
+      </p:par>
+    </p:tnLst>
+  </p:timing>
+</p:sld>
+</file>
+
+<file path=ppt/slides/slide4.xml><?xml version="1.0" encoding="utf-8"?>
+<p:sld xmlns:a="http://schemas.openxmlformats.org/drawingml/2006/main" xmlns:r="http://schemas.openxmlformats.org/officeDocument/2006/relationships" xmlns:p="http://schemas.openxmlformats.org/presentationml/2006/main">
+  <p:cSld>
+    <p:spTree>
+      <p:nvGrpSpPr>
+        <p:cNvPr id="1" name=""/>
+        <p:cNvGrpSpPr/>
+        <p:nvPr/>
+      </p:nvGrpSpPr>
+      <p:grpSpPr>
+        <a:xfrm>
+          <a:off x="0" y="0"/>
+          <a:ext cx="0" cy="0"/>
+          <a:chOff x="0" y="0"/>
+          <a:chExt cx="0" cy="0"/>
+        </a:xfrm>
+      </p:grpSpPr>
+      <p:sp>
+        <p:nvSpPr>
+          <p:cNvPr id="2" name="Rubrik 1"/>
+          <p:cNvSpPr>
+            <a:spLocks noGrp="1"/>
+          </p:cNvSpPr>
+          <p:nvPr>
+            <p:ph type="title"/>
+          </p:nvPr>
+        </p:nvSpPr>
+        <p:spPr/>
+        <p:txBody>
+          <a:bodyPr/>
+          <a:lstStyle/>
+          <a:p>
+            <a:endParaRPr lang="sv-SE"/>
+          </a:p>
+        </p:txBody>
+      </p:sp>
+      <p:sp>
+        <p:nvSpPr>
+          <p:cNvPr id="3" name="Platshållare för innehåll 2"/>
+          <p:cNvSpPr>
+            <a:spLocks noGrp="1"/>
+          </p:cNvSpPr>
+          <p:nvPr>
+            <p:ph idx="1"/>
+          </p:nvPr>
+        </p:nvSpPr>
+        <p:spPr/>
+        <p:txBody>
+          <a:bodyPr/>
+          <a:lstStyle/>
+          <a:p>
+            <a:endParaRPr lang="sv-SE"/>
+          </a:p>
+        </p:txBody>
+      </p:sp>
+      <p:pic>
+        <p:nvPicPr>
+          <p:cNvPr id="1026" name="Picture 2" descr="C:\Users\christoffer.thor\Documents\GitHub\Coop_projekt_Thor\Designförslag#1 (25-01-2013)\Photoshop_stuff\Leverantor_list_sketch.png"/>
+          <p:cNvPicPr>
+            <a:picLocks noChangeAspect="1" noChangeArrowheads="1"/>
+          </p:cNvPicPr>
+          <p:nvPr/>
+        </p:nvPicPr>
+        <p:blipFill>
+          <a:blip r:embed="rId2">
+            <a:extLst>
+              <a:ext uri="{28A0092B-C50C-407E-A947-70E740481C1C}">
+                <a14:useLocalDpi xmlns:a14="http://schemas.microsoft.com/office/drawing/2010/main" val="0"/>
+              </a:ext>
+            </a:extLst>
+          </a:blip>
+          <a:srcRect/>
+          <a:stretch>
+            <a:fillRect/>
+          </a:stretch>
+        </p:blipFill>
+        <p:spPr bwMode="auto">
+          <a:xfrm>
+            <a:off x="-32420" y="620687"/>
+            <a:ext cx="9176420" cy="5123409"/>
+          </a:xfrm>
+          <a:prstGeom prst="rect">
+            <a:avLst/>
+          </a:prstGeom>
+          <a:noFill/>
+          <a:extLst>
+            <a:ext uri="{909E8E84-426E-40DD-AFC4-6F175D3DCCD1}">
+              <a14:hiddenFill xmlns:a14="http://schemas.microsoft.com/office/drawing/2010/main">
+                <a:solidFill>
+                  <a:srgbClr val="FFFFFF"/>
+                </a:solidFill>
+              </a14:hiddenFill>
+            </a:ext>
+          </a:extLst>
+        </p:spPr>
+      </p:pic>
+    </p:spTree>
+    <p:extLst>
+      <p:ext uri="{BB962C8B-B14F-4D97-AF65-F5344CB8AC3E}">
+        <p14:creationId xmlns:p14="http://schemas.microsoft.com/office/powerpoint/2010/main" val="1567903393"/>
+      </p:ext>
+    </p:extLst>
+  </p:cSld>
+  <p:clrMapOvr>
+    <a:masterClrMapping/>
+  </p:clrMapOvr>
+  <p:timing>
+    <p:tnLst>
+      <p:par>
+        <p:cTn id="1" dur="indefinite" restart="never" nodeType="tmRoot"/>
+      </p:par>
+    </p:tnLst>
+  </p:timing>
+</p:sld>
+</file>
+
+<file path=ppt/slides/slide5.xml><?xml version="1.0" encoding="utf-8"?>
+<p:sld xmlns:a="http://schemas.openxmlformats.org/drawingml/2006/main" xmlns:r="http://schemas.openxmlformats.org/officeDocument/2006/relationships" xmlns:p="http://schemas.openxmlformats.org/presentationml/2006/main">
+  <p:cSld>
+    <p:spTree>
+      <p:nvGrpSpPr>
+        <p:cNvPr id="1" name=""/>
+        <p:cNvGrpSpPr/>
+        <p:nvPr/>
+      </p:nvGrpSpPr>
+      <p:grpSpPr>
+        <a:xfrm>
+          <a:off x="0" y="0"/>
+          <a:ext cx="0" cy="0"/>
+          <a:chOff x="0" y="0"/>
+          <a:chExt cx="0" cy="0"/>
+        </a:xfrm>
+      </p:grpSpPr>
+      <p:sp>
+        <p:nvSpPr>
+          <p:cNvPr id="2" name="Rubrik 1"/>
+          <p:cNvSpPr>
+            <a:spLocks noGrp="1"/>
+          </p:cNvSpPr>
+          <p:nvPr>
+            <p:ph type="title"/>
+          </p:nvPr>
+        </p:nvSpPr>
+        <p:spPr/>
+        <p:txBody>
+          <a:bodyPr/>
+          <a:lstStyle/>
+          <a:p>
+            <a:endParaRPr lang="sv-SE"/>
+          </a:p>
+        </p:txBody>
+      </p:sp>
+      <p:pic>
+        <p:nvPicPr>
+          <p:cNvPr id="6" name="Platshållare för innehåll 5"/>
+          <p:cNvPicPr>
+            <a:picLocks noGrp="1" noChangeAspect="1"/>
+          </p:cNvPicPr>
+          <p:nvPr>
+            <p:ph idx="1"/>
+          </p:nvPr>
+        </p:nvPicPr>
+        <p:blipFill>
+          <a:blip r:embed="rId2">
+            <a:extLst>
+              <a:ext uri="{28A0092B-C50C-407E-A947-70E740481C1C}">
+                <a14:useLocalDpi xmlns:a14="http://schemas.microsoft.com/office/drawing/2010/main" val="0"/>
+              </a:ext>
+            </a:extLst>
+          </a:blip>
+          <a:stretch>
+            <a:fillRect/>
+          </a:stretch>
+        </p:blipFill>
+        <p:spPr>
+          <a:xfrm>
+            <a:off x="-6373216" y="-963488"/>
+            <a:ext cx="17086584" cy="9206239"/>
+          </a:xfrm>
+        </p:spPr>
+      </p:pic>
+    </p:spTree>
+    <p:extLst>
+      <p:ext uri="{BB962C8B-B14F-4D97-AF65-F5344CB8AC3E}">
+        <p14:creationId xmlns:p14="http://schemas.microsoft.com/office/powerpoint/2010/main" val="2645116344"/>
       </p:ext>
     </p:extLst>
   </p:cSld>
